--- a/Getting Your DB Schema Under Control With SSDT.pptx
+++ b/Getting Your DB Schema Under Control With SSDT.pptx
@@ -237,7 +237,7 @@
           <a:p>
             <a:fld id="{A91C24B7-45C9-41FD-A78C-C7253DD9DAB8}" type="datetimeFigureOut">
               <a:rPr lang="en-US" smtClean="0"/>
-              <a:t>5/13/2018</a:t>
+              <a:t>11/19/2019</a:t>
             </a:fld>
             <a:endParaRPr lang="en-US"/>
           </a:p>
@@ -612,6 +612,287 @@
 </p:notes>
 </file>
 
+<file path=ppt/notesSlides/notesSlide10.xml><?xml version="1.0" encoding="utf-8"?>
+<p:notes xmlns:a="http://schemas.openxmlformats.org/drawingml/2006/main" xmlns:r="http://schemas.openxmlformats.org/officeDocument/2006/relationships" xmlns:p="http://schemas.openxmlformats.org/presentationml/2006/main">
+  <p:cSld>
+    <p:spTree>
+      <p:nvGrpSpPr>
+        <p:cNvPr id="1" name=""/>
+        <p:cNvGrpSpPr/>
+        <p:nvPr/>
+      </p:nvGrpSpPr>
+      <p:grpSpPr>
+        <a:xfrm>
+          <a:off x="0" y="0"/>
+          <a:ext cx="0" cy="0"/>
+          <a:chOff x="0" y="0"/>
+          <a:chExt cx="0" cy="0"/>
+        </a:xfrm>
+      </p:grpSpPr>
+      <p:sp>
+        <p:nvSpPr>
+          <p:cNvPr id="2" name="Slide Image Placeholder 1"/>
+          <p:cNvSpPr>
+            <a:spLocks noGrp="1" noRot="1" noChangeAspect="1"/>
+          </p:cNvSpPr>
+          <p:nvPr>
+            <p:ph type="sldImg"/>
+          </p:nvPr>
+        </p:nvSpPr>
+        <p:spPr/>
+      </p:sp>
+      <p:sp>
+        <p:nvSpPr>
+          <p:cNvPr id="3" name="Notes Placeholder 2"/>
+          <p:cNvSpPr>
+            <a:spLocks noGrp="1"/>
+          </p:cNvSpPr>
+          <p:nvPr>
+            <p:ph type="body" idx="1"/>
+          </p:nvPr>
+        </p:nvSpPr>
+        <p:spPr/>
+        <p:txBody>
+          <a:bodyPr/>
+          <a:lstStyle/>
+          <a:p>
+            <a:r>
+              <a:rPr lang="en-US" baseline="0" dirty="0"/>
+              <a:t>Good way to check the project and make sure that there are no major errors.</a:t>
+            </a:r>
+          </a:p>
+          <a:p>
+            <a:r>
+              <a:rPr lang="en-US" baseline="0" dirty="0"/>
+              <a:t>Don’t try to push DB Properties to Azure SQL</a:t>
+            </a:r>
+          </a:p>
+          <a:p>
+            <a:r>
+              <a:rPr lang="en-US" baseline="0" dirty="0"/>
+              <a:t>Allow Incompatible Platform – useful if you could push to many different versions</a:t>
+            </a:r>
+            <a:endParaRPr lang="en-US" dirty="0"/>
+          </a:p>
+        </p:txBody>
+      </p:sp>
+      <p:sp>
+        <p:nvSpPr>
+          <p:cNvPr id="4" name="Slide Number Placeholder 3"/>
+          <p:cNvSpPr>
+            <a:spLocks noGrp="1"/>
+          </p:cNvSpPr>
+          <p:nvPr>
+            <p:ph type="sldNum" sz="quarter" idx="10"/>
+          </p:nvPr>
+        </p:nvSpPr>
+        <p:spPr/>
+        <p:txBody>
+          <a:bodyPr/>
+          <a:lstStyle/>
+          <a:p>
+            <a:fld id="{72A8FC1E-06AC-4303-A803-811885543167}" type="slidenum">
+              <a:rPr lang="en-US" smtClean="0"/>
+              <a:t>14</a:t>
+            </a:fld>
+            <a:endParaRPr lang="en-US"/>
+          </a:p>
+        </p:txBody>
+      </p:sp>
+    </p:spTree>
+    <p:extLst>
+      <p:ext uri="{BB962C8B-B14F-4D97-AF65-F5344CB8AC3E}">
+        <p14:creationId xmlns:p14="http://schemas.microsoft.com/office/powerpoint/2010/main" val="917857667"/>
+      </p:ext>
+    </p:extLst>
+  </p:cSld>
+  <p:clrMapOvr>
+    <a:masterClrMapping/>
+  </p:clrMapOvr>
+</p:notes>
+</file>
+
+<file path=ppt/notesSlides/notesSlide11.xml><?xml version="1.0" encoding="utf-8"?>
+<p:notes xmlns:a="http://schemas.openxmlformats.org/drawingml/2006/main" xmlns:r="http://schemas.openxmlformats.org/officeDocument/2006/relationships" xmlns:p="http://schemas.openxmlformats.org/presentationml/2006/main">
+  <p:cSld>
+    <p:spTree>
+      <p:nvGrpSpPr>
+        <p:cNvPr id="1" name=""/>
+        <p:cNvGrpSpPr/>
+        <p:nvPr/>
+      </p:nvGrpSpPr>
+      <p:grpSpPr>
+        <a:xfrm>
+          <a:off x="0" y="0"/>
+          <a:ext cx="0" cy="0"/>
+          <a:chOff x="0" y="0"/>
+          <a:chExt cx="0" cy="0"/>
+        </a:xfrm>
+      </p:grpSpPr>
+      <p:sp>
+        <p:nvSpPr>
+          <p:cNvPr id="2" name="Slide Image Placeholder 1"/>
+          <p:cNvSpPr>
+            <a:spLocks noGrp="1" noRot="1" noChangeAspect="1"/>
+          </p:cNvSpPr>
+          <p:nvPr>
+            <p:ph type="sldImg"/>
+          </p:nvPr>
+        </p:nvSpPr>
+        <p:spPr/>
+      </p:sp>
+      <p:sp>
+        <p:nvSpPr>
+          <p:cNvPr id="3" name="Notes Placeholder 2"/>
+          <p:cNvSpPr>
+            <a:spLocks noGrp="1"/>
+          </p:cNvSpPr>
+          <p:nvPr>
+            <p:ph type="body" idx="1"/>
+          </p:nvPr>
+        </p:nvSpPr>
+        <p:spPr/>
+        <p:txBody>
+          <a:bodyPr/>
+          <a:lstStyle/>
+          <a:p>
+            <a:endParaRPr lang="en-US" dirty="0"/>
+          </a:p>
+        </p:txBody>
+      </p:sp>
+      <p:sp>
+        <p:nvSpPr>
+          <p:cNvPr id="4" name="Slide Number Placeholder 3"/>
+          <p:cNvSpPr>
+            <a:spLocks noGrp="1"/>
+          </p:cNvSpPr>
+          <p:nvPr>
+            <p:ph type="sldNum" sz="quarter" idx="5"/>
+          </p:nvPr>
+        </p:nvSpPr>
+        <p:spPr/>
+        <p:txBody>
+          <a:bodyPr/>
+          <a:lstStyle/>
+          <a:p>
+            <a:fld id="{205E3C98-63D7-475C-978E-1DBC9F9B9B7D}" type="slidenum">
+              <a:rPr lang="en-US" smtClean="0"/>
+              <a:t>15</a:t>
+            </a:fld>
+            <a:endParaRPr lang="en-US"/>
+          </a:p>
+        </p:txBody>
+      </p:sp>
+    </p:spTree>
+    <p:extLst>
+      <p:ext uri="{BB962C8B-B14F-4D97-AF65-F5344CB8AC3E}">
+        <p14:creationId xmlns:p14="http://schemas.microsoft.com/office/powerpoint/2010/main" val="3963970788"/>
+      </p:ext>
+    </p:extLst>
+  </p:cSld>
+  <p:clrMapOvr>
+    <a:masterClrMapping/>
+  </p:clrMapOvr>
+</p:notes>
+</file>
+
+<file path=ppt/notesSlides/notesSlide12.xml><?xml version="1.0" encoding="utf-8"?>
+<p:notes xmlns:a="http://schemas.openxmlformats.org/drawingml/2006/main" xmlns:r="http://schemas.openxmlformats.org/officeDocument/2006/relationships" xmlns:p="http://schemas.openxmlformats.org/presentationml/2006/main">
+  <p:cSld>
+    <p:spTree>
+      <p:nvGrpSpPr>
+        <p:cNvPr id="1" name=""/>
+        <p:cNvGrpSpPr/>
+        <p:nvPr/>
+      </p:nvGrpSpPr>
+      <p:grpSpPr>
+        <a:xfrm>
+          <a:off x="0" y="0"/>
+          <a:ext cx="0" cy="0"/>
+          <a:chOff x="0" y="0"/>
+          <a:chExt cx="0" cy="0"/>
+        </a:xfrm>
+      </p:grpSpPr>
+      <p:sp>
+        <p:nvSpPr>
+          <p:cNvPr id="2" name="Slide Image Placeholder 1"/>
+          <p:cNvSpPr>
+            <a:spLocks noGrp="1" noRot="1" noChangeAspect="1"/>
+          </p:cNvSpPr>
+          <p:nvPr>
+            <p:ph type="sldImg"/>
+          </p:nvPr>
+        </p:nvSpPr>
+        <p:spPr/>
+      </p:sp>
+      <p:sp>
+        <p:nvSpPr>
+          <p:cNvPr id="3" name="Notes Placeholder 2"/>
+          <p:cNvSpPr>
+            <a:spLocks noGrp="1"/>
+          </p:cNvSpPr>
+          <p:nvPr>
+            <p:ph type="body" idx="1"/>
+          </p:nvPr>
+        </p:nvSpPr>
+        <p:spPr/>
+        <p:txBody>
+          <a:bodyPr/>
+          <a:lstStyle/>
+          <a:p>
+            <a:r>
+              <a:rPr lang="en-US" dirty="0" err="1"/>
+              <a:t>Nuget</a:t>
+            </a:r>
+            <a:r>
+              <a:rPr lang="en-US" dirty="0"/>
+              <a:t> package w/ SSDT binaries</a:t>
+            </a:r>
+          </a:p>
+          <a:p>
+            <a:r>
+              <a:rPr lang="en-US" dirty="0"/>
+              <a:t>  May want to force a version to avoid surprises</a:t>
+            </a:r>
+          </a:p>
+        </p:txBody>
+      </p:sp>
+      <p:sp>
+        <p:nvSpPr>
+          <p:cNvPr id="4" name="Slide Number Placeholder 3"/>
+          <p:cNvSpPr>
+            <a:spLocks noGrp="1"/>
+          </p:cNvSpPr>
+          <p:nvPr>
+            <p:ph type="sldNum" sz="quarter" idx="10"/>
+          </p:nvPr>
+        </p:nvSpPr>
+        <p:spPr/>
+        <p:txBody>
+          <a:bodyPr/>
+          <a:lstStyle/>
+          <a:p>
+            <a:fld id="{72A8FC1E-06AC-4303-A803-811885543167}" type="slidenum">
+              <a:rPr lang="en-US" smtClean="0"/>
+              <a:t>19</a:t>
+            </a:fld>
+            <a:endParaRPr lang="en-US"/>
+          </a:p>
+        </p:txBody>
+      </p:sp>
+    </p:spTree>
+    <p:extLst>
+      <p:ext uri="{BB962C8B-B14F-4D97-AF65-F5344CB8AC3E}">
+        <p14:creationId xmlns:p14="http://schemas.microsoft.com/office/powerpoint/2010/main" val="557996316"/>
+      </p:ext>
+    </p:extLst>
+  </p:cSld>
+  <p:clrMapOvr>
+    <a:masterClrMapping/>
+  </p:clrMapOvr>
+</p:notes>
+</file>
+
 <file path=ppt/notesSlides/notesSlide2.xml><?xml version="1.0" encoding="utf-8"?>
 <p:notes xmlns:a="http://schemas.openxmlformats.org/drawingml/2006/main" xmlns:r="http://schemas.openxmlformats.org/officeDocument/2006/relationships" xmlns:p="http://schemas.openxmlformats.org/presentationml/2006/main">
   <p:cSld>
@@ -659,6 +940,28 @@
             <a:r>
               <a:rPr lang="en-US" dirty="0"/>
               <a:t>https://docs.microsoft.com/en-us/sql/ssdt/download-sql-server-data-tools-ssdt</a:t>
+            </a:r>
+          </a:p>
+          <a:p>
+            <a:r>
+              <a:rPr lang="en-US" dirty="0"/>
+              <a:t>Or use </a:t>
+            </a:r>
+            <a:r>
+              <a:rPr lang="en-US" dirty="0" err="1"/>
+              <a:t>Chocolately</a:t>
+            </a:r>
+            <a:r>
+              <a:rPr lang="en-US" dirty="0"/>
+              <a:t> to install VS shell + </a:t>
+            </a:r>
+            <a:r>
+              <a:rPr lang="en-US" dirty="0" err="1"/>
+              <a:t>ssdt</a:t>
+            </a:r>
+            <a:r>
+              <a:rPr lang="en-US" dirty="0"/>
+              <a:t>.</a:t>
             </a:r>
           </a:p>
           <a:p>
@@ -748,19 +1051,15 @@
           <a:p>
             <a:r>
               <a:rPr lang="en-US" dirty="0"/>
-              <a:t>Launch VS</a:t>
-            </a:r>
-          </a:p>
-          <a:p>
+              <a:t>Will cover the next several slides – create project, import </a:t>
+            </a:r>
+            <a:r>
+              <a:rPr lang="en-US" dirty="0" err="1"/>
+              <a:t>db</a:t>
+            </a:r>
             <a:r>
               <a:rPr lang="en-US" dirty="0"/>
-              <a:t>New Project – type “SQL Server”</a:t>
-            </a:r>
-          </a:p>
-          <a:p>
-            <a:r>
-              <a:rPr lang="en-US" dirty="0"/>
-              <a:t>Can save Templates to the VS Templates folder if you have a setup you like and want to use for everything.</a:t>
+              <a:t>, explore project</a:t>
             </a:r>
           </a:p>
         </p:txBody>
@@ -772,7 +1071,7 @@
             <a:spLocks noGrp="1"/>
           </p:cNvSpPr>
           <p:nvPr>
-            <p:ph type="sldNum" sz="quarter" idx="10"/>
+            <p:ph type="sldNum" sz="quarter" idx="5"/>
           </p:nvPr>
         </p:nvSpPr>
         <p:spPr/>
@@ -780,9 +1079,9 @@
           <a:bodyPr/>
           <a:lstStyle/>
           <a:p>
-            <a:fld id="{72A8FC1E-06AC-4303-A803-811885543167}" type="slidenum">
+            <a:fld id="{205E3C98-63D7-475C-978E-1DBC9F9B9B7D}" type="slidenum">
               <a:rPr lang="en-US" smtClean="0"/>
-              <a:t>5</a:t>
+              <a:t>4</a:t>
             </a:fld>
             <a:endParaRPr lang="en-US"/>
           </a:p>
@@ -791,7 +1090,7 @@
     </p:spTree>
     <p:extLst>
       <p:ext uri="{BB962C8B-B14F-4D97-AF65-F5344CB8AC3E}">
-        <p14:creationId xmlns:p14="http://schemas.microsoft.com/office/powerpoint/2010/main" val="466572522"/>
+        <p14:creationId xmlns:p14="http://schemas.microsoft.com/office/powerpoint/2010/main" val="605914274"/>
       </p:ext>
     </p:extLst>
   </p:cSld>
@@ -847,27 +1146,25 @@
           <a:p>
             <a:r>
               <a:rPr lang="en-US" dirty="0"/>
-              <a:t>Can only import from DB/</a:t>
-            </a:r>
-            <a:r>
-              <a:rPr lang="en-US" dirty="0" err="1"/>
-              <a:t>dacpac</a:t>
-            </a:r>
+              <a:t>Launch VS</a:t>
+            </a:r>
+          </a:p>
+          <a:p>
             <a:r>
               <a:rPr lang="en-US" dirty="0"/>
-              <a:t> in an empty project (or brand new template)</a:t>
+              <a:t>New Project – type “SQL Server”</a:t>
             </a:r>
           </a:p>
           <a:p>
             <a:r>
               <a:rPr lang="en-US" dirty="0"/>
-              <a:t>Can always import from script</a:t>
+              <a:t>Can save Templates to the VS Templates folder if you have a setup you like and want to use for everything.</a:t>
             </a:r>
           </a:p>
           <a:p>
             <a:r>
               <a:rPr lang="en-US" dirty="0"/>
-              <a:t>Tend to avoid importing logins and permissions – those are usually environment-specific</a:t>
+              <a:t>  I’ll usually add folders in the project for “Publish” and “Schema Compare” as well as Pre/Post-deploy script folders</a:t>
             </a:r>
           </a:p>
         </p:txBody>
@@ -889,7 +1186,7 @@
           <a:p>
             <a:fld id="{72A8FC1E-06AC-4303-A803-811885543167}" type="slidenum">
               <a:rPr lang="en-US" smtClean="0"/>
-              <a:t>7</a:t>
+              <a:t>5</a:t>
             </a:fld>
             <a:endParaRPr lang="en-US"/>
           </a:p>
@@ -898,7 +1195,7 @@
     </p:spTree>
     <p:extLst>
       <p:ext uri="{BB962C8B-B14F-4D97-AF65-F5344CB8AC3E}">
-        <p14:creationId xmlns:p14="http://schemas.microsoft.com/office/powerpoint/2010/main" val="2589122394"/>
+        <p14:creationId xmlns:p14="http://schemas.microsoft.com/office/powerpoint/2010/main" val="466572522"/>
       </p:ext>
     </p:extLst>
   </p:cSld>
@@ -952,16 +1249,7 @@
           <a:bodyPr/>
           <a:lstStyle/>
           <a:p>
-            <a:r>
-              <a:rPr lang="en-US" dirty="0"/>
-              <a:t>Can create other folders as needed.</a:t>
-            </a:r>
-          </a:p>
-          <a:p>
-            <a:r>
-              <a:rPr lang="en-US" dirty="0"/>
-              <a:t>I usually create a Scripts/Pre-Deploy and Scripts/Post-Deploy folder, a Publish folder, and a Schema Compare folder</a:t>
-            </a:r>
+            <a:endParaRPr lang="en-US" dirty="0"/>
           </a:p>
         </p:txBody>
       </p:sp>
@@ -972,7 +1260,7 @@
             <a:spLocks noGrp="1"/>
           </p:cNvSpPr>
           <p:nvPr>
-            <p:ph type="sldNum" sz="quarter" idx="10"/>
+            <p:ph type="sldNum" sz="quarter" idx="5"/>
           </p:nvPr>
         </p:nvSpPr>
         <p:spPr/>
@@ -980,9 +1268,9 @@
           <a:bodyPr/>
           <a:lstStyle/>
           <a:p>
-            <a:fld id="{72A8FC1E-06AC-4303-A803-811885543167}" type="slidenum">
+            <a:fld id="{205E3C98-63D7-475C-978E-1DBC9F9B9B7D}" type="slidenum">
               <a:rPr lang="en-US" smtClean="0"/>
-              <a:t>8</a:t>
+              <a:t>6</a:t>
             </a:fld>
             <a:endParaRPr lang="en-US"/>
           </a:p>
@@ -991,7 +1279,7 @@
     </p:spTree>
     <p:extLst>
       <p:ext uri="{BB962C8B-B14F-4D97-AF65-F5344CB8AC3E}">
-        <p14:creationId xmlns:p14="http://schemas.microsoft.com/office/powerpoint/2010/main" val="3388497028"/>
+        <p14:creationId xmlns:p14="http://schemas.microsoft.com/office/powerpoint/2010/main" val="2632237681"/>
       </p:ext>
     </p:extLst>
   </p:cSld>
@@ -1047,7 +1335,32 @@
           <a:p>
             <a:r>
               <a:rPr lang="en-US" dirty="0"/>
-              <a:t>See next slides</a:t>
+              <a:t>Can only import from DB/</a:t>
+            </a:r>
+            <a:r>
+              <a:rPr lang="en-US" dirty="0" err="1"/>
+              <a:t>dacpac</a:t>
+            </a:r>
+            <a:r>
+              <a:rPr lang="en-US" dirty="0"/>
+              <a:t> in an empty project (or brand new template)</a:t>
+            </a:r>
+          </a:p>
+          <a:p>
+            <a:r>
+              <a:rPr lang="en-US" dirty="0"/>
+              <a:t>Can always import </a:t>
+            </a:r>
+            <a:r>
+              <a:rPr lang="en-US"/>
+              <a:t>from script, though only CREATE scripts will work.</a:t>
+            </a:r>
+            <a:endParaRPr lang="en-US" dirty="0"/>
+          </a:p>
+          <a:p>
+            <a:r>
+              <a:rPr lang="en-US" dirty="0"/>
+              <a:t>Tend to avoid importing logins and permissions – those are usually environment-specific</a:t>
             </a:r>
           </a:p>
         </p:txBody>
@@ -1069,7 +1382,7 @@
           <a:p>
             <a:fld id="{72A8FC1E-06AC-4303-A803-811885543167}" type="slidenum">
               <a:rPr lang="en-US" smtClean="0"/>
-              <a:t>9</a:t>
+              <a:t>7</a:t>
             </a:fld>
             <a:endParaRPr lang="en-US"/>
           </a:p>
@@ -1078,7 +1391,7 @@
     </p:spTree>
     <p:extLst>
       <p:ext uri="{BB962C8B-B14F-4D97-AF65-F5344CB8AC3E}">
-        <p14:creationId xmlns:p14="http://schemas.microsoft.com/office/powerpoint/2010/main" val="2993956762"/>
+        <p14:creationId xmlns:p14="http://schemas.microsoft.com/office/powerpoint/2010/main" val="2589122394"/>
       </p:ext>
     </p:extLst>
   </p:cSld>
@@ -1134,37 +1447,14 @@
           <a:p>
             <a:r>
               <a:rPr lang="en-US" dirty="0"/>
-              <a:t>Sometimes the import just doesn’t work.</a:t>
+              <a:t>Can create other folders as needed.</a:t>
             </a:r>
           </a:p>
           <a:p>
             <a:r>
               <a:rPr lang="en-US" dirty="0"/>
-              <a:t>Leave variable blank if DB name will always be the same</a:t>
-            </a:r>
-          </a:p>
-          <a:p>
-            <a:r>
-              <a:rPr lang="en-US" dirty="0"/>
-              <a:t>Choose “Different Database, Different Server” for linked server </a:t>
-            </a:r>
-            <a:r>
-              <a:rPr lang="en-US" dirty="0" err="1"/>
-              <a:t>dbs</a:t>
-            </a:r>
-            <a:endParaRPr lang="en-US" dirty="0"/>
-          </a:p>
-          <a:p>
-            <a:endParaRPr lang="en-US" dirty="0"/>
-          </a:p>
-          <a:p>
-            <a:r>
-              <a:rPr lang="en-US" dirty="0"/>
-              <a:t>https://msdn.microsoft.com/en-us/library/hh550080(v=VS.103).aspx</a:t>
-            </a:r>
-          </a:p>
-          <a:p>
-            <a:endParaRPr lang="en-US" dirty="0"/>
+              <a:t>I usually create a Scripts/Pre-Deploy and Scripts/Post-Deploy folder, a Publish folder, and a Schema Compare folder</a:t>
+            </a:r>
           </a:p>
         </p:txBody>
       </p:sp>
@@ -1185,7 +1475,7 @@
           <a:p>
             <a:fld id="{72A8FC1E-06AC-4303-A803-811885543167}" type="slidenum">
               <a:rPr lang="en-US" smtClean="0"/>
-              <a:t>11</a:t>
+              <a:t>8</a:t>
             </a:fld>
             <a:endParaRPr lang="en-US"/>
           </a:p>
@@ -1194,7 +1484,7 @@
     </p:spTree>
     <p:extLst>
       <p:ext uri="{BB962C8B-B14F-4D97-AF65-F5344CB8AC3E}">
-        <p14:creationId xmlns:p14="http://schemas.microsoft.com/office/powerpoint/2010/main" val="3534527889"/>
+        <p14:creationId xmlns:p14="http://schemas.microsoft.com/office/powerpoint/2010/main" val="3388497028"/>
       </p:ext>
     </p:extLst>
   </p:cSld>
@@ -1249,22 +1539,9 @@
           <a:lstStyle/>
           <a:p>
             <a:r>
-              <a:rPr lang="en-US" baseline="0" dirty="0"/>
-              <a:t>Good way to check the project and make sure that there are no major errors.</a:t>
-            </a:r>
-          </a:p>
-          <a:p>
-            <a:r>
-              <a:rPr lang="en-US" baseline="0" dirty="0"/>
-              <a:t>Don’t try to push DB Properties to Azure SQL</a:t>
-            </a:r>
-          </a:p>
-          <a:p>
-            <a:r>
-              <a:rPr lang="en-US" baseline="0" dirty="0"/>
-              <a:t>Allow Incompatible Platform – useful if you could push to many different versions</a:t>
-            </a:r>
-            <a:endParaRPr lang="en-US" dirty="0"/>
+              <a:rPr lang="en-US" dirty="0"/>
+              <a:t>See next slides</a:t>
+            </a:r>
           </a:p>
         </p:txBody>
       </p:sp>
@@ -1285,7 +1562,7 @@
           <a:p>
             <a:fld id="{72A8FC1E-06AC-4303-A803-811885543167}" type="slidenum">
               <a:rPr lang="en-US" smtClean="0"/>
-              <a:t>14</a:t>
+              <a:t>9</a:t>
             </a:fld>
             <a:endParaRPr lang="en-US"/>
           </a:p>
@@ -1294,7 +1571,7 @@
     </p:spTree>
     <p:extLst>
       <p:ext uri="{BB962C8B-B14F-4D97-AF65-F5344CB8AC3E}">
-        <p14:creationId xmlns:p14="http://schemas.microsoft.com/office/powerpoint/2010/main" val="917857667"/>
+        <p14:creationId xmlns:p14="http://schemas.microsoft.com/office/powerpoint/2010/main" val="2993956762"/>
       </p:ext>
     </p:extLst>
   </p:cSld>
@@ -1349,19 +1626,38 @@
           <a:lstStyle/>
           <a:p>
             <a:r>
+              <a:rPr lang="en-US" dirty="0"/>
+              <a:t>Sometimes the import just doesn’t work.</a:t>
+            </a:r>
+          </a:p>
+          <a:p>
+            <a:r>
+              <a:rPr lang="en-US" dirty="0"/>
+              <a:t>Leave variable blank if DB name will always be the same</a:t>
+            </a:r>
+          </a:p>
+          <a:p>
+            <a:r>
+              <a:rPr lang="en-US" dirty="0"/>
+              <a:t>Choose “Different Database, Different Server” for linked server </a:t>
+            </a:r>
+            <a:r>
               <a:rPr lang="en-US" dirty="0" err="1"/>
-              <a:t>Nuget</a:t>
-            </a:r>
+              <a:t>dbs</a:t>
+            </a:r>
+            <a:endParaRPr lang="en-US" dirty="0"/>
+          </a:p>
+          <a:p>
+            <a:endParaRPr lang="en-US" dirty="0"/>
+          </a:p>
+          <a:p>
             <a:r>
               <a:rPr lang="en-US" dirty="0"/>
-              <a:t> package w/ SSDT binaries</a:t>
-            </a:r>
-          </a:p>
-          <a:p>
-            <a:r>
-              <a:rPr lang="en-US" dirty="0"/>
-              <a:t>  May want to force a version to avoid surprises</a:t>
-            </a:r>
+              <a:t>https://msdn.microsoft.com/en-us/library/hh550080(v=VS.103).aspx</a:t>
+            </a:r>
+          </a:p>
+          <a:p>
+            <a:endParaRPr lang="en-US" dirty="0"/>
           </a:p>
         </p:txBody>
       </p:sp>
@@ -1382,7 +1678,7 @@
           <a:p>
             <a:fld id="{72A8FC1E-06AC-4303-A803-811885543167}" type="slidenum">
               <a:rPr lang="en-US" smtClean="0"/>
-              <a:t>19</a:t>
+              <a:t>11</a:t>
             </a:fld>
             <a:endParaRPr lang="en-US"/>
           </a:p>
@@ -1391,7 +1687,7 @@
     </p:spTree>
     <p:extLst>
       <p:ext uri="{BB962C8B-B14F-4D97-AF65-F5344CB8AC3E}">
-        <p14:creationId xmlns:p14="http://schemas.microsoft.com/office/powerpoint/2010/main" val="557996316"/>
+        <p14:creationId xmlns:p14="http://schemas.microsoft.com/office/powerpoint/2010/main" val="3534527889"/>
       </p:ext>
     </p:extLst>
   </p:cSld>
@@ -2415,7 +2711,7 @@
           <a:graphicData uri="http://schemas.openxmlformats.org/presentationml/2006/ole">
             <mc:AlternateContent xmlns:mc="http://schemas.openxmlformats.org/markup-compatibility/2006">
               <mc:Choice xmlns:v="urn:schemas-microsoft-com:vml" Requires="v">
-                <p:oleObj spid="_x0000_s1044" name="Image" r:id="rId10" imgW="2279520" imgH="1310400" progId="Photoshop.Image.18">
+                <p:oleObj spid="_x0000_s1052" name="Image" r:id="rId10" imgW="2279520" imgH="1310400" progId="Photoshop.Image.18">
                   <p:embed/>
                 </p:oleObj>
               </mc:Choice>
@@ -2717,7 +3013,7 @@
       </a:lvl9pPr>
     </p:otherStyle>
   </p:txStyles>
-  <p:extLst mod="1">
+  <p:extLst>
     <p:ext uri="{27BBF7A9-308A-43DC-89C8-2F10F3537804}">
       <p15:sldGuideLst xmlns:p15="http://schemas.microsoft.com/office/powerpoint/2012/main">
         <p15:guide id="1" orient="horz" pos="2381" userDrawn="1">
@@ -5045,7 +5341,7 @@
               <a:rPr lang="en-US" dirty="0">
                 <a:hlinkClick r:id="rId2"/>
               </a:rPr>
-              <a:t>https://schottsql.wordpress.com/2013/05/14/ssdt-setting-different-permissions-per-environment/</a:t>
+              <a:t>https://schottsql.com/2013/05/14/ssdt-setting-different-permissions-per-environment/</a:t>
             </a:r>
             <a:endParaRPr lang="en-US" dirty="0"/>
           </a:p>
@@ -6745,7 +7041,7 @@
           <a:p>
             <a:r>
               <a:rPr lang="en-US" dirty="0"/>
-              <a:t>Watch the file properties</a:t>
+              <a:t>Watch the file properties (build, none, etc.)</a:t>
             </a:r>
           </a:p>
           <a:p>
@@ -6803,6 +7099,703 @@
   <p:clrMapOvr>
     <a:masterClrMapping/>
   </p:clrMapOvr>
+  <p:timing>
+    <p:tnLst>
+      <p:par>
+        <p:cTn id="1" dur="indefinite" restart="never" nodeType="tmRoot">
+          <p:childTnLst>
+            <p:seq concurrent="1" nextAc="seek">
+              <p:cTn id="2" dur="indefinite" nodeType="mainSeq">
+                <p:childTnLst>
+                  <p:par>
+                    <p:cTn id="3" fill="hold">
+                      <p:stCondLst>
+                        <p:cond delay="indefinite"/>
+                      </p:stCondLst>
+                      <p:childTnLst>
+                        <p:par>
+                          <p:cTn id="4" fill="hold">
+                            <p:stCondLst>
+                              <p:cond delay="0"/>
+                            </p:stCondLst>
+                            <p:childTnLst>
+                              <p:par>
+                                <p:cTn id="5" presetID="2" presetClass="entr" presetSubtype="4" fill="hold" nodeType="clickEffect">
+                                  <p:stCondLst>
+                                    <p:cond delay="0"/>
+                                  </p:stCondLst>
+                                  <p:childTnLst>
+                                    <p:set>
+                                      <p:cBhvr>
+                                        <p:cTn id="6" dur="1" fill="hold">
+                                          <p:stCondLst>
+                                            <p:cond delay="0"/>
+                                          </p:stCondLst>
+                                        </p:cTn>
+                                        <p:tgtEl>
+                                          <p:spTgt spid="3">
+                                            <p:txEl>
+                                              <p:pRg st="0" end="0"/>
+                                            </p:txEl>
+                                          </p:spTgt>
+                                        </p:tgtEl>
+                                        <p:attrNameLst>
+                                          <p:attrName>style.visibility</p:attrName>
+                                        </p:attrNameLst>
+                                      </p:cBhvr>
+                                      <p:to>
+                                        <p:strVal val="visible"/>
+                                      </p:to>
+                                    </p:set>
+                                    <p:anim calcmode="lin" valueType="num">
+                                      <p:cBhvr additive="base">
+                                        <p:cTn id="7" dur="500" fill="hold"/>
+                                        <p:tgtEl>
+                                          <p:spTgt spid="3">
+                                            <p:txEl>
+                                              <p:pRg st="0" end="0"/>
+                                            </p:txEl>
+                                          </p:spTgt>
+                                        </p:tgtEl>
+                                        <p:attrNameLst>
+                                          <p:attrName>ppt_x</p:attrName>
+                                        </p:attrNameLst>
+                                      </p:cBhvr>
+                                      <p:tavLst>
+                                        <p:tav tm="0">
+                                          <p:val>
+                                            <p:strVal val="#ppt_x"/>
+                                          </p:val>
+                                        </p:tav>
+                                        <p:tav tm="100000">
+                                          <p:val>
+                                            <p:strVal val="#ppt_x"/>
+                                          </p:val>
+                                        </p:tav>
+                                      </p:tavLst>
+                                    </p:anim>
+                                    <p:anim calcmode="lin" valueType="num">
+                                      <p:cBhvr additive="base">
+                                        <p:cTn id="8" dur="500" fill="hold"/>
+                                        <p:tgtEl>
+                                          <p:spTgt spid="3">
+                                            <p:txEl>
+                                              <p:pRg st="0" end="0"/>
+                                            </p:txEl>
+                                          </p:spTgt>
+                                        </p:tgtEl>
+                                        <p:attrNameLst>
+                                          <p:attrName>ppt_y</p:attrName>
+                                        </p:attrNameLst>
+                                      </p:cBhvr>
+                                      <p:tavLst>
+                                        <p:tav tm="0">
+                                          <p:val>
+                                            <p:strVal val="1+#ppt_h/2"/>
+                                          </p:val>
+                                        </p:tav>
+                                        <p:tav tm="100000">
+                                          <p:val>
+                                            <p:strVal val="#ppt_y"/>
+                                          </p:val>
+                                        </p:tav>
+                                      </p:tavLst>
+                                    </p:anim>
+                                  </p:childTnLst>
+                                </p:cTn>
+                              </p:par>
+                            </p:childTnLst>
+                          </p:cTn>
+                        </p:par>
+                      </p:childTnLst>
+                    </p:cTn>
+                  </p:par>
+                  <p:par>
+                    <p:cTn id="9" fill="hold">
+                      <p:stCondLst>
+                        <p:cond delay="indefinite"/>
+                      </p:stCondLst>
+                      <p:childTnLst>
+                        <p:par>
+                          <p:cTn id="10" fill="hold">
+                            <p:stCondLst>
+                              <p:cond delay="0"/>
+                            </p:stCondLst>
+                            <p:childTnLst>
+                              <p:par>
+                                <p:cTn id="11" presetID="2" presetClass="entr" presetSubtype="4" fill="hold" nodeType="clickEffect">
+                                  <p:stCondLst>
+                                    <p:cond delay="0"/>
+                                  </p:stCondLst>
+                                  <p:childTnLst>
+                                    <p:set>
+                                      <p:cBhvr>
+                                        <p:cTn id="12" dur="1" fill="hold">
+                                          <p:stCondLst>
+                                            <p:cond delay="0"/>
+                                          </p:stCondLst>
+                                        </p:cTn>
+                                        <p:tgtEl>
+                                          <p:spTgt spid="3">
+                                            <p:txEl>
+                                              <p:pRg st="1" end="1"/>
+                                            </p:txEl>
+                                          </p:spTgt>
+                                        </p:tgtEl>
+                                        <p:attrNameLst>
+                                          <p:attrName>style.visibility</p:attrName>
+                                        </p:attrNameLst>
+                                      </p:cBhvr>
+                                      <p:to>
+                                        <p:strVal val="visible"/>
+                                      </p:to>
+                                    </p:set>
+                                    <p:anim calcmode="lin" valueType="num">
+                                      <p:cBhvr additive="base">
+                                        <p:cTn id="13" dur="500" fill="hold"/>
+                                        <p:tgtEl>
+                                          <p:spTgt spid="3">
+                                            <p:txEl>
+                                              <p:pRg st="1" end="1"/>
+                                            </p:txEl>
+                                          </p:spTgt>
+                                        </p:tgtEl>
+                                        <p:attrNameLst>
+                                          <p:attrName>ppt_x</p:attrName>
+                                        </p:attrNameLst>
+                                      </p:cBhvr>
+                                      <p:tavLst>
+                                        <p:tav tm="0">
+                                          <p:val>
+                                            <p:strVal val="#ppt_x"/>
+                                          </p:val>
+                                        </p:tav>
+                                        <p:tav tm="100000">
+                                          <p:val>
+                                            <p:strVal val="#ppt_x"/>
+                                          </p:val>
+                                        </p:tav>
+                                      </p:tavLst>
+                                    </p:anim>
+                                    <p:anim calcmode="lin" valueType="num">
+                                      <p:cBhvr additive="base">
+                                        <p:cTn id="14" dur="500" fill="hold"/>
+                                        <p:tgtEl>
+                                          <p:spTgt spid="3">
+                                            <p:txEl>
+                                              <p:pRg st="1" end="1"/>
+                                            </p:txEl>
+                                          </p:spTgt>
+                                        </p:tgtEl>
+                                        <p:attrNameLst>
+                                          <p:attrName>ppt_y</p:attrName>
+                                        </p:attrNameLst>
+                                      </p:cBhvr>
+                                      <p:tavLst>
+                                        <p:tav tm="0">
+                                          <p:val>
+                                            <p:strVal val="1+#ppt_h/2"/>
+                                          </p:val>
+                                        </p:tav>
+                                        <p:tav tm="100000">
+                                          <p:val>
+                                            <p:strVal val="#ppt_y"/>
+                                          </p:val>
+                                        </p:tav>
+                                      </p:tavLst>
+                                    </p:anim>
+                                  </p:childTnLst>
+                                </p:cTn>
+                              </p:par>
+                              <p:par>
+                                <p:cTn id="15" presetID="2" presetClass="entr" presetSubtype="4" fill="hold" nodeType="withEffect">
+                                  <p:stCondLst>
+                                    <p:cond delay="0"/>
+                                  </p:stCondLst>
+                                  <p:childTnLst>
+                                    <p:set>
+                                      <p:cBhvr>
+                                        <p:cTn id="16" dur="1" fill="hold">
+                                          <p:stCondLst>
+                                            <p:cond delay="0"/>
+                                          </p:stCondLst>
+                                        </p:cTn>
+                                        <p:tgtEl>
+                                          <p:spTgt spid="3">
+                                            <p:txEl>
+                                              <p:pRg st="2" end="2"/>
+                                            </p:txEl>
+                                          </p:spTgt>
+                                        </p:tgtEl>
+                                        <p:attrNameLst>
+                                          <p:attrName>style.visibility</p:attrName>
+                                        </p:attrNameLst>
+                                      </p:cBhvr>
+                                      <p:to>
+                                        <p:strVal val="visible"/>
+                                      </p:to>
+                                    </p:set>
+                                    <p:anim calcmode="lin" valueType="num">
+                                      <p:cBhvr additive="base">
+                                        <p:cTn id="17" dur="500" fill="hold"/>
+                                        <p:tgtEl>
+                                          <p:spTgt spid="3">
+                                            <p:txEl>
+                                              <p:pRg st="2" end="2"/>
+                                            </p:txEl>
+                                          </p:spTgt>
+                                        </p:tgtEl>
+                                        <p:attrNameLst>
+                                          <p:attrName>ppt_x</p:attrName>
+                                        </p:attrNameLst>
+                                      </p:cBhvr>
+                                      <p:tavLst>
+                                        <p:tav tm="0">
+                                          <p:val>
+                                            <p:strVal val="#ppt_x"/>
+                                          </p:val>
+                                        </p:tav>
+                                        <p:tav tm="100000">
+                                          <p:val>
+                                            <p:strVal val="#ppt_x"/>
+                                          </p:val>
+                                        </p:tav>
+                                      </p:tavLst>
+                                    </p:anim>
+                                    <p:anim calcmode="lin" valueType="num">
+                                      <p:cBhvr additive="base">
+                                        <p:cTn id="18" dur="500" fill="hold"/>
+                                        <p:tgtEl>
+                                          <p:spTgt spid="3">
+                                            <p:txEl>
+                                              <p:pRg st="2" end="2"/>
+                                            </p:txEl>
+                                          </p:spTgt>
+                                        </p:tgtEl>
+                                        <p:attrNameLst>
+                                          <p:attrName>ppt_y</p:attrName>
+                                        </p:attrNameLst>
+                                      </p:cBhvr>
+                                      <p:tavLst>
+                                        <p:tav tm="0">
+                                          <p:val>
+                                            <p:strVal val="1+#ppt_h/2"/>
+                                          </p:val>
+                                        </p:tav>
+                                        <p:tav tm="100000">
+                                          <p:val>
+                                            <p:strVal val="#ppt_y"/>
+                                          </p:val>
+                                        </p:tav>
+                                      </p:tavLst>
+                                    </p:anim>
+                                  </p:childTnLst>
+                                </p:cTn>
+                              </p:par>
+                            </p:childTnLst>
+                          </p:cTn>
+                        </p:par>
+                      </p:childTnLst>
+                    </p:cTn>
+                  </p:par>
+                  <p:par>
+                    <p:cTn id="19" fill="hold">
+                      <p:stCondLst>
+                        <p:cond delay="indefinite"/>
+                      </p:stCondLst>
+                      <p:childTnLst>
+                        <p:par>
+                          <p:cTn id="20" fill="hold">
+                            <p:stCondLst>
+                              <p:cond delay="0"/>
+                            </p:stCondLst>
+                            <p:childTnLst>
+                              <p:par>
+                                <p:cTn id="21" presetID="2" presetClass="entr" presetSubtype="4" fill="hold" nodeType="clickEffect">
+                                  <p:stCondLst>
+                                    <p:cond delay="0"/>
+                                  </p:stCondLst>
+                                  <p:childTnLst>
+                                    <p:set>
+                                      <p:cBhvr>
+                                        <p:cTn id="22" dur="1" fill="hold">
+                                          <p:stCondLst>
+                                            <p:cond delay="0"/>
+                                          </p:stCondLst>
+                                        </p:cTn>
+                                        <p:tgtEl>
+                                          <p:spTgt spid="3">
+                                            <p:txEl>
+                                              <p:pRg st="3" end="3"/>
+                                            </p:txEl>
+                                          </p:spTgt>
+                                        </p:tgtEl>
+                                        <p:attrNameLst>
+                                          <p:attrName>style.visibility</p:attrName>
+                                        </p:attrNameLst>
+                                      </p:cBhvr>
+                                      <p:to>
+                                        <p:strVal val="visible"/>
+                                      </p:to>
+                                    </p:set>
+                                    <p:anim calcmode="lin" valueType="num">
+                                      <p:cBhvr additive="base">
+                                        <p:cTn id="23" dur="500" fill="hold"/>
+                                        <p:tgtEl>
+                                          <p:spTgt spid="3">
+                                            <p:txEl>
+                                              <p:pRg st="3" end="3"/>
+                                            </p:txEl>
+                                          </p:spTgt>
+                                        </p:tgtEl>
+                                        <p:attrNameLst>
+                                          <p:attrName>ppt_x</p:attrName>
+                                        </p:attrNameLst>
+                                      </p:cBhvr>
+                                      <p:tavLst>
+                                        <p:tav tm="0">
+                                          <p:val>
+                                            <p:strVal val="#ppt_x"/>
+                                          </p:val>
+                                        </p:tav>
+                                        <p:tav tm="100000">
+                                          <p:val>
+                                            <p:strVal val="#ppt_x"/>
+                                          </p:val>
+                                        </p:tav>
+                                      </p:tavLst>
+                                    </p:anim>
+                                    <p:anim calcmode="lin" valueType="num">
+                                      <p:cBhvr additive="base">
+                                        <p:cTn id="24" dur="500" fill="hold"/>
+                                        <p:tgtEl>
+                                          <p:spTgt spid="3">
+                                            <p:txEl>
+                                              <p:pRg st="3" end="3"/>
+                                            </p:txEl>
+                                          </p:spTgt>
+                                        </p:tgtEl>
+                                        <p:attrNameLst>
+                                          <p:attrName>ppt_y</p:attrName>
+                                        </p:attrNameLst>
+                                      </p:cBhvr>
+                                      <p:tavLst>
+                                        <p:tav tm="0">
+                                          <p:val>
+                                            <p:strVal val="1+#ppt_h/2"/>
+                                          </p:val>
+                                        </p:tav>
+                                        <p:tav tm="100000">
+                                          <p:val>
+                                            <p:strVal val="#ppt_y"/>
+                                          </p:val>
+                                        </p:tav>
+                                      </p:tavLst>
+                                    </p:anim>
+                                  </p:childTnLst>
+                                </p:cTn>
+                              </p:par>
+                              <p:par>
+                                <p:cTn id="25" presetID="2" presetClass="entr" presetSubtype="4" fill="hold" nodeType="withEffect">
+                                  <p:stCondLst>
+                                    <p:cond delay="0"/>
+                                  </p:stCondLst>
+                                  <p:childTnLst>
+                                    <p:set>
+                                      <p:cBhvr>
+                                        <p:cTn id="26" dur="1" fill="hold">
+                                          <p:stCondLst>
+                                            <p:cond delay="0"/>
+                                          </p:stCondLst>
+                                        </p:cTn>
+                                        <p:tgtEl>
+                                          <p:spTgt spid="3">
+                                            <p:txEl>
+                                              <p:pRg st="4" end="4"/>
+                                            </p:txEl>
+                                          </p:spTgt>
+                                        </p:tgtEl>
+                                        <p:attrNameLst>
+                                          <p:attrName>style.visibility</p:attrName>
+                                        </p:attrNameLst>
+                                      </p:cBhvr>
+                                      <p:to>
+                                        <p:strVal val="visible"/>
+                                      </p:to>
+                                    </p:set>
+                                    <p:anim calcmode="lin" valueType="num">
+                                      <p:cBhvr additive="base">
+                                        <p:cTn id="27" dur="500" fill="hold"/>
+                                        <p:tgtEl>
+                                          <p:spTgt spid="3">
+                                            <p:txEl>
+                                              <p:pRg st="4" end="4"/>
+                                            </p:txEl>
+                                          </p:spTgt>
+                                        </p:tgtEl>
+                                        <p:attrNameLst>
+                                          <p:attrName>ppt_x</p:attrName>
+                                        </p:attrNameLst>
+                                      </p:cBhvr>
+                                      <p:tavLst>
+                                        <p:tav tm="0">
+                                          <p:val>
+                                            <p:strVal val="#ppt_x"/>
+                                          </p:val>
+                                        </p:tav>
+                                        <p:tav tm="100000">
+                                          <p:val>
+                                            <p:strVal val="#ppt_x"/>
+                                          </p:val>
+                                        </p:tav>
+                                      </p:tavLst>
+                                    </p:anim>
+                                    <p:anim calcmode="lin" valueType="num">
+                                      <p:cBhvr additive="base">
+                                        <p:cTn id="28" dur="500" fill="hold"/>
+                                        <p:tgtEl>
+                                          <p:spTgt spid="3">
+                                            <p:txEl>
+                                              <p:pRg st="4" end="4"/>
+                                            </p:txEl>
+                                          </p:spTgt>
+                                        </p:tgtEl>
+                                        <p:attrNameLst>
+                                          <p:attrName>ppt_y</p:attrName>
+                                        </p:attrNameLst>
+                                      </p:cBhvr>
+                                      <p:tavLst>
+                                        <p:tav tm="0">
+                                          <p:val>
+                                            <p:strVal val="1+#ppt_h/2"/>
+                                          </p:val>
+                                        </p:tav>
+                                        <p:tav tm="100000">
+                                          <p:val>
+                                            <p:strVal val="#ppt_y"/>
+                                          </p:val>
+                                        </p:tav>
+                                      </p:tavLst>
+                                    </p:anim>
+                                  </p:childTnLst>
+                                </p:cTn>
+                              </p:par>
+                            </p:childTnLst>
+                          </p:cTn>
+                        </p:par>
+                      </p:childTnLst>
+                    </p:cTn>
+                  </p:par>
+                  <p:par>
+                    <p:cTn id="29" fill="hold">
+                      <p:stCondLst>
+                        <p:cond delay="indefinite"/>
+                      </p:stCondLst>
+                      <p:childTnLst>
+                        <p:par>
+                          <p:cTn id="30" fill="hold">
+                            <p:stCondLst>
+                              <p:cond delay="0"/>
+                            </p:stCondLst>
+                            <p:childTnLst>
+                              <p:par>
+                                <p:cTn id="31" presetID="2" presetClass="entr" presetSubtype="4" fill="hold" nodeType="clickEffect">
+                                  <p:stCondLst>
+                                    <p:cond delay="0"/>
+                                  </p:stCondLst>
+                                  <p:childTnLst>
+                                    <p:set>
+                                      <p:cBhvr>
+                                        <p:cTn id="32" dur="1" fill="hold">
+                                          <p:stCondLst>
+                                            <p:cond delay="0"/>
+                                          </p:stCondLst>
+                                        </p:cTn>
+                                        <p:tgtEl>
+                                          <p:spTgt spid="3">
+                                            <p:txEl>
+                                              <p:pRg st="5" end="5"/>
+                                            </p:txEl>
+                                          </p:spTgt>
+                                        </p:tgtEl>
+                                        <p:attrNameLst>
+                                          <p:attrName>style.visibility</p:attrName>
+                                        </p:attrNameLst>
+                                      </p:cBhvr>
+                                      <p:to>
+                                        <p:strVal val="visible"/>
+                                      </p:to>
+                                    </p:set>
+                                    <p:anim calcmode="lin" valueType="num">
+                                      <p:cBhvr additive="base">
+                                        <p:cTn id="33" dur="500" fill="hold"/>
+                                        <p:tgtEl>
+                                          <p:spTgt spid="3">
+                                            <p:txEl>
+                                              <p:pRg st="5" end="5"/>
+                                            </p:txEl>
+                                          </p:spTgt>
+                                        </p:tgtEl>
+                                        <p:attrNameLst>
+                                          <p:attrName>ppt_x</p:attrName>
+                                        </p:attrNameLst>
+                                      </p:cBhvr>
+                                      <p:tavLst>
+                                        <p:tav tm="0">
+                                          <p:val>
+                                            <p:strVal val="#ppt_x"/>
+                                          </p:val>
+                                        </p:tav>
+                                        <p:tav tm="100000">
+                                          <p:val>
+                                            <p:strVal val="#ppt_x"/>
+                                          </p:val>
+                                        </p:tav>
+                                      </p:tavLst>
+                                    </p:anim>
+                                    <p:anim calcmode="lin" valueType="num">
+                                      <p:cBhvr additive="base">
+                                        <p:cTn id="34" dur="500" fill="hold"/>
+                                        <p:tgtEl>
+                                          <p:spTgt spid="3">
+                                            <p:txEl>
+                                              <p:pRg st="5" end="5"/>
+                                            </p:txEl>
+                                          </p:spTgt>
+                                        </p:tgtEl>
+                                        <p:attrNameLst>
+                                          <p:attrName>ppt_y</p:attrName>
+                                        </p:attrNameLst>
+                                      </p:cBhvr>
+                                      <p:tavLst>
+                                        <p:tav tm="0">
+                                          <p:val>
+                                            <p:strVal val="1+#ppt_h/2"/>
+                                          </p:val>
+                                        </p:tav>
+                                        <p:tav tm="100000">
+                                          <p:val>
+                                            <p:strVal val="#ppt_y"/>
+                                          </p:val>
+                                        </p:tav>
+                                      </p:tavLst>
+                                    </p:anim>
+                                  </p:childTnLst>
+                                </p:cTn>
+                              </p:par>
+                              <p:par>
+                                <p:cTn id="35" presetID="2" presetClass="entr" presetSubtype="4" fill="hold" nodeType="withEffect">
+                                  <p:stCondLst>
+                                    <p:cond delay="0"/>
+                                  </p:stCondLst>
+                                  <p:childTnLst>
+                                    <p:set>
+                                      <p:cBhvr>
+                                        <p:cTn id="36" dur="1" fill="hold">
+                                          <p:stCondLst>
+                                            <p:cond delay="0"/>
+                                          </p:stCondLst>
+                                        </p:cTn>
+                                        <p:tgtEl>
+                                          <p:spTgt spid="3">
+                                            <p:txEl>
+                                              <p:pRg st="6" end="6"/>
+                                            </p:txEl>
+                                          </p:spTgt>
+                                        </p:tgtEl>
+                                        <p:attrNameLst>
+                                          <p:attrName>style.visibility</p:attrName>
+                                        </p:attrNameLst>
+                                      </p:cBhvr>
+                                      <p:to>
+                                        <p:strVal val="visible"/>
+                                      </p:to>
+                                    </p:set>
+                                    <p:anim calcmode="lin" valueType="num">
+                                      <p:cBhvr additive="base">
+                                        <p:cTn id="37" dur="500" fill="hold"/>
+                                        <p:tgtEl>
+                                          <p:spTgt spid="3">
+                                            <p:txEl>
+                                              <p:pRg st="6" end="6"/>
+                                            </p:txEl>
+                                          </p:spTgt>
+                                        </p:tgtEl>
+                                        <p:attrNameLst>
+                                          <p:attrName>ppt_x</p:attrName>
+                                        </p:attrNameLst>
+                                      </p:cBhvr>
+                                      <p:tavLst>
+                                        <p:tav tm="0">
+                                          <p:val>
+                                            <p:strVal val="#ppt_x"/>
+                                          </p:val>
+                                        </p:tav>
+                                        <p:tav tm="100000">
+                                          <p:val>
+                                            <p:strVal val="#ppt_x"/>
+                                          </p:val>
+                                        </p:tav>
+                                      </p:tavLst>
+                                    </p:anim>
+                                    <p:anim calcmode="lin" valueType="num">
+                                      <p:cBhvr additive="base">
+                                        <p:cTn id="38" dur="500" fill="hold"/>
+                                        <p:tgtEl>
+                                          <p:spTgt spid="3">
+                                            <p:txEl>
+                                              <p:pRg st="6" end="6"/>
+                                            </p:txEl>
+                                          </p:spTgt>
+                                        </p:tgtEl>
+                                        <p:attrNameLst>
+                                          <p:attrName>ppt_y</p:attrName>
+                                        </p:attrNameLst>
+                                      </p:cBhvr>
+                                      <p:tavLst>
+                                        <p:tav tm="0">
+                                          <p:val>
+                                            <p:strVal val="1+#ppt_h/2"/>
+                                          </p:val>
+                                        </p:tav>
+                                        <p:tav tm="100000">
+                                          <p:val>
+                                            <p:strVal val="#ppt_y"/>
+                                          </p:val>
+                                        </p:tav>
+                                      </p:tavLst>
+                                    </p:anim>
+                                  </p:childTnLst>
+                                </p:cTn>
+                              </p:par>
+                            </p:childTnLst>
+                          </p:cTn>
+                        </p:par>
+                      </p:childTnLst>
+                    </p:cTn>
+                  </p:par>
+                </p:childTnLst>
+              </p:cTn>
+              <p:prevCondLst>
+                <p:cond evt="onPrev" delay="0">
+                  <p:tgtEl>
+                    <p:sldTgt/>
+                  </p:tgtEl>
+                </p:cond>
+              </p:prevCondLst>
+              <p:nextCondLst>
+                <p:cond evt="onNext" delay="0">
+                  <p:tgtEl>
+                    <p:sldTgt/>
+                  </p:tgtEl>
+                </p:cond>
+              </p:nextCondLst>
+            </p:seq>
+          </p:childTnLst>
+        </p:cTn>
+      </p:par>
+    </p:tnLst>
+  </p:timing>
 </p:sld>
 </file>
 
@@ -6910,6 +7903,345 @@
   <p:clrMapOvr>
     <a:masterClrMapping/>
   </p:clrMapOvr>
+  <p:timing>
+    <p:tnLst>
+      <p:par>
+        <p:cTn id="1" dur="indefinite" restart="never" nodeType="tmRoot">
+          <p:childTnLst>
+            <p:seq concurrent="1" nextAc="seek">
+              <p:cTn id="2" dur="indefinite" nodeType="mainSeq">
+                <p:childTnLst>
+                  <p:par>
+                    <p:cTn id="3" fill="hold">
+                      <p:stCondLst>
+                        <p:cond delay="indefinite"/>
+                      </p:stCondLst>
+                      <p:childTnLst>
+                        <p:par>
+                          <p:cTn id="4" fill="hold">
+                            <p:stCondLst>
+                              <p:cond delay="0"/>
+                            </p:stCondLst>
+                            <p:childTnLst>
+                              <p:par>
+                                <p:cTn id="5" presetID="2" presetClass="entr" presetSubtype="4" fill="hold" nodeType="clickEffect">
+                                  <p:stCondLst>
+                                    <p:cond delay="0"/>
+                                  </p:stCondLst>
+                                  <p:childTnLst>
+                                    <p:set>
+                                      <p:cBhvr>
+                                        <p:cTn id="6" dur="1" fill="hold">
+                                          <p:stCondLst>
+                                            <p:cond delay="0"/>
+                                          </p:stCondLst>
+                                        </p:cTn>
+                                        <p:tgtEl>
+                                          <p:spTgt spid="3">
+                                            <p:txEl>
+                                              <p:pRg st="0" end="0"/>
+                                            </p:txEl>
+                                          </p:spTgt>
+                                        </p:tgtEl>
+                                        <p:attrNameLst>
+                                          <p:attrName>style.visibility</p:attrName>
+                                        </p:attrNameLst>
+                                      </p:cBhvr>
+                                      <p:to>
+                                        <p:strVal val="visible"/>
+                                      </p:to>
+                                    </p:set>
+                                    <p:anim calcmode="lin" valueType="num">
+                                      <p:cBhvr additive="base">
+                                        <p:cTn id="7" dur="500" fill="hold"/>
+                                        <p:tgtEl>
+                                          <p:spTgt spid="3">
+                                            <p:txEl>
+                                              <p:pRg st="0" end="0"/>
+                                            </p:txEl>
+                                          </p:spTgt>
+                                        </p:tgtEl>
+                                        <p:attrNameLst>
+                                          <p:attrName>ppt_x</p:attrName>
+                                        </p:attrNameLst>
+                                      </p:cBhvr>
+                                      <p:tavLst>
+                                        <p:tav tm="0">
+                                          <p:val>
+                                            <p:strVal val="#ppt_x"/>
+                                          </p:val>
+                                        </p:tav>
+                                        <p:tav tm="100000">
+                                          <p:val>
+                                            <p:strVal val="#ppt_x"/>
+                                          </p:val>
+                                        </p:tav>
+                                      </p:tavLst>
+                                    </p:anim>
+                                    <p:anim calcmode="lin" valueType="num">
+                                      <p:cBhvr additive="base">
+                                        <p:cTn id="8" dur="500" fill="hold"/>
+                                        <p:tgtEl>
+                                          <p:spTgt spid="3">
+                                            <p:txEl>
+                                              <p:pRg st="0" end="0"/>
+                                            </p:txEl>
+                                          </p:spTgt>
+                                        </p:tgtEl>
+                                        <p:attrNameLst>
+                                          <p:attrName>ppt_y</p:attrName>
+                                        </p:attrNameLst>
+                                      </p:cBhvr>
+                                      <p:tavLst>
+                                        <p:tav tm="0">
+                                          <p:val>
+                                            <p:strVal val="1+#ppt_h/2"/>
+                                          </p:val>
+                                        </p:tav>
+                                        <p:tav tm="100000">
+                                          <p:val>
+                                            <p:strVal val="#ppt_y"/>
+                                          </p:val>
+                                        </p:tav>
+                                      </p:tavLst>
+                                    </p:anim>
+                                  </p:childTnLst>
+                                </p:cTn>
+                              </p:par>
+                            </p:childTnLst>
+                          </p:cTn>
+                        </p:par>
+                      </p:childTnLst>
+                    </p:cTn>
+                  </p:par>
+                  <p:par>
+                    <p:cTn id="9" fill="hold">
+                      <p:stCondLst>
+                        <p:cond delay="indefinite"/>
+                      </p:stCondLst>
+                      <p:childTnLst>
+                        <p:par>
+                          <p:cTn id="10" fill="hold">
+                            <p:stCondLst>
+                              <p:cond delay="0"/>
+                            </p:stCondLst>
+                            <p:childTnLst>
+                              <p:par>
+                                <p:cTn id="11" presetID="2" presetClass="entr" presetSubtype="4" fill="hold" nodeType="clickEffect">
+                                  <p:stCondLst>
+                                    <p:cond delay="0"/>
+                                  </p:stCondLst>
+                                  <p:childTnLst>
+                                    <p:set>
+                                      <p:cBhvr>
+                                        <p:cTn id="12" dur="1" fill="hold">
+                                          <p:stCondLst>
+                                            <p:cond delay="0"/>
+                                          </p:stCondLst>
+                                        </p:cTn>
+                                        <p:tgtEl>
+                                          <p:spTgt spid="3">
+                                            <p:txEl>
+                                              <p:pRg st="1" end="1"/>
+                                            </p:txEl>
+                                          </p:spTgt>
+                                        </p:tgtEl>
+                                        <p:attrNameLst>
+                                          <p:attrName>style.visibility</p:attrName>
+                                        </p:attrNameLst>
+                                      </p:cBhvr>
+                                      <p:to>
+                                        <p:strVal val="visible"/>
+                                      </p:to>
+                                    </p:set>
+                                    <p:anim calcmode="lin" valueType="num">
+                                      <p:cBhvr additive="base">
+                                        <p:cTn id="13" dur="500" fill="hold"/>
+                                        <p:tgtEl>
+                                          <p:spTgt spid="3">
+                                            <p:txEl>
+                                              <p:pRg st="1" end="1"/>
+                                            </p:txEl>
+                                          </p:spTgt>
+                                        </p:tgtEl>
+                                        <p:attrNameLst>
+                                          <p:attrName>ppt_x</p:attrName>
+                                        </p:attrNameLst>
+                                      </p:cBhvr>
+                                      <p:tavLst>
+                                        <p:tav tm="0">
+                                          <p:val>
+                                            <p:strVal val="#ppt_x"/>
+                                          </p:val>
+                                        </p:tav>
+                                        <p:tav tm="100000">
+                                          <p:val>
+                                            <p:strVal val="#ppt_x"/>
+                                          </p:val>
+                                        </p:tav>
+                                      </p:tavLst>
+                                    </p:anim>
+                                    <p:anim calcmode="lin" valueType="num">
+                                      <p:cBhvr additive="base">
+                                        <p:cTn id="14" dur="500" fill="hold"/>
+                                        <p:tgtEl>
+                                          <p:spTgt spid="3">
+                                            <p:txEl>
+                                              <p:pRg st="1" end="1"/>
+                                            </p:txEl>
+                                          </p:spTgt>
+                                        </p:tgtEl>
+                                        <p:attrNameLst>
+                                          <p:attrName>ppt_y</p:attrName>
+                                        </p:attrNameLst>
+                                      </p:cBhvr>
+                                      <p:tavLst>
+                                        <p:tav tm="0">
+                                          <p:val>
+                                            <p:strVal val="1+#ppt_h/2"/>
+                                          </p:val>
+                                        </p:tav>
+                                        <p:tav tm="100000">
+                                          <p:val>
+                                            <p:strVal val="#ppt_y"/>
+                                          </p:val>
+                                        </p:tav>
+                                      </p:tavLst>
+                                    </p:anim>
+                                  </p:childTnLst>
+                                </p:cTn>
+                              </p:par>
+                            </p:childTnLst>
+                          </p:cTn>
+                        </p:par>
+                      </p:childTnLst>
+                    </p:cTn>
+                  </p:par>
+                  <p:par>
+                    <p:cTn id="15" fill="hold">
+                      <p:stCondLst>
+                        <p:cond delay="indefinite"/>
+                      </p:stCondLst>
+                      <p:childTnLst>
+                        <p:par>
+                          <p:cTn id="16" fill="hold">
+                            <p:stCondLst>
+                              <p:cond delay="0"/>
+                            </p:stCondLst>
+                            <p:childTnLst>
+                              <p:par>
+                                <p:cTn id="17" presetID="2" presetClass="entr" presetSubtype="4" fill="hold" nodeType="clickEffect">
+                                  <p:stCondLst>
+                                    <p:cond delay="0"/>
+                                  </p:stCondLst>
+                                  <p:childTnLst>
+                                    <p:set>
+                                      <p:cBhvr>
+                                        <p:cTn id="18" dur="1" fill="hold">
+                                          <p:stCondLst>
+                                            <p:cond delay="0"/>
+                                          </p:stCondLst>
+                                        </p:cTn>
+                                        <p:tgtEl>
+                                          <p:spTgt spid="3">
+                                            <p:txEl>
+                                              <p:pRg st="2" end="2"/>
+                                            </p:txEl>
+                                          </p:spTgt>
+                                        </p:tgtEl>
+                                        <p:attrNameLst>
+                                          <p:attrName>style.visibility</p:attrName>
+                                        </p:attrNameLst>
+                                      </p:cBhvr>
+                                      <p:to>
+                                        <p:strVal val="visible"/>
+                                      </p:to>
+                                    </p:set>
+                                    <p:anim calcmode="lin" valueType="num">
+                                      <p:cBhvr additive="base">
+                                        <p:cTn id="19" dur="500" fill="hold"/>
+                                        <p:tgtEl>
+                                          <p:spTgt spid="3">
+                                            <p:txEl>
+                                              <p:pRg st="2" end="2"/>
+                                            </p:txEl>
+                                          </p:spTgt>
+                                        </p:tgtEl>
+                                        <p:attrNameLst>
+                                          <p:attrName>ppt_x</p:attrName>
+                                        </p:attrNameLst>
+                                      </p:cBhvr>
+                                      <p:tavLst>
+                                        <p:tav tm="0">
+                                          <p:val>
+                                            <p:strVal val="#ppt_x"/>
+                                          </p:val>
+                                        </p:tav>
+                                        <p:tav tm="100000">
+                                          <p:val>
+                                            <p:strVal val="#ppt_x"/>
+                                          </p:val>
+                                        </p:tav>
+                                      </p:tavLst>
+                                    </p:anim>
+                                    <p:anim calcmode="lin" valueType="num">
+                                      <p:cBhvr additive="base">
+                                        <p:cTn id="20" dur="500" fill="hold"/>
+                                        <p:tgtEl>
+                                          <p:spTgt spid="3">
+                                            <p:txEl>
+                                              <p:pRg st="2" end="2"/>
+                                            </p:txEl>
+                                          </p:spTgt>
+                                        </p:tgtEl>
+                                        <p:attrNameLst>
+                                          <p:attrName>ppt_y</p:attrName>
+                                        </p:attrNameLst>
+                                      </p:cBhvr>
+                                      <p:tavLst>
+                                        <p:tav tm="0">
+                                          <p:val>
+                                            <p:strVal val="1+#ppt_h/2"/>
+                                          </p:val>
+                                        </p:tav>
+                                        <p:tav tm="100000">
+                                          <p:val>
+                                            <p:strVal val="#ppt_y"/>
+                                          </p:val>
+                                        </p:tav>
+                                      </p:tavLst>
+                                    </p:anim>
+                                  </p:childTnLst>
+                                </p:cTn>
+                              </p:par>
+                            </p:childTnLst>
+                          </p:cTn>
+                        </p:par>
+                      </p:childTnLst>
+                    </p:cTn>
+                  </p:par>
+                </p:childTnLst>
+              </p:cTn>
+              <p:prevCondLst>
+                <p:cond evt="onPrev" delay="0">
+                  <p:tgtEl>
+                    <p:sldTgt/>
+                  </p:tgtEl>
+                </p:cond>
+              </p:prevCondLst>
+              <p:nextCondLst>
+                <p:cond evt="onNext" delay="0">
+                  <p:tgtEl>
+                    <p:sldTgt/>
+                  </p:tgtEl>
+                </p:cond>
+              </p:nextCondLst>
+            </p:seq>
+          </p:childTnLst>
+        </p:cTn>
+      </p:par>
+    </p:tnLst>
+  </p:timing>
 </p:sld>
 </file>
 
@@ -10908,9 +12240,12 @@
               <a:rPr lang="en-US" sz="2400" dirty="0">
                 <a:hlinkClick r:id="rId3"/>
               </a:rPr>
-              <a:t>http://schottsql.wordpress.com</a:t>
-            </a:r>
-            <a:endParaRPr lang="en-US" sz="2400" dirty="0"/>
+              <a:t>http://schottsql.com</a:t>
+            </a:r>
+            <a:r>
+              <a:rPr lang="en-US" sz="2400" dirty="0"/>
+              <a:t> </a:t>
+            </a:r>
           </a:p>
           <a:p>
             <a:endParaRPr lang="en-US" sz="2400" dirty="0"/>
@@ -11095,7 +12430,7 @@
             <a:pPr lvl="1"/>
             <a:r>
               <a:rPr lang="en-US" baseline="0" dirty="0"/>
-              <a:t>DB Projects also included in full Visual Studio 2015/2017 installs</a:t>
+              <a:t>DB Projects also included in full Visual Studio 2015+ installs</a:t>
             </a:r>
           </a:p>
         </p:txBody>
@@ -11700,7 +13035,13 @@
           <a:p>
             <a:pPr algn="ctr"/>
             <a:r>
-              <a:rPr lang="en-US" sz="13040" dirty="0"/>
+              <a:rPr lang="en-US" sz="13040" dirty="0">
+                <a:solidFill>
+                  <a:schemeClr val="accent1">
+                    <a:lumMod val="75000"/>
+                  </a:schemeClr>
+                </a:solidFill>
+              </a:rPr>
               <a:t>Demo Time!</a:t>
             </a:r>
           </a:p>
@@ -12261,13 +13602,13 @@
         </p:nvSpPr>
         <p:spPr>
           <a:xfrm>
-            <a:off x="792110" y="1725046"/>
-            <a:ext cx="4243615" cy="4111612"/>
+            <a:off x="792110" y="1545791"/>
+            <a:ext cx="4243615" cy="4290867"/>
           </a:xfrm>
         </p:spPr>
         <p:txBody>
           <a:bodyPr>
-            <a:normAutofit fontScale="92500" lnSpcReduction="10000"/>
+            <a:normAutofit fontScale="92500"/>
           </a:bodyPr>
           <a:lstStyle/>
           <a:p>
@@ -12309,7 +13650,7 @@
           <p:nvPr/>
         </p:nvPicPr>
         <p:blipFill>
-          <a:blip r:embed="rId2"/>
+          <a:blip r:embed="rId3"/>
           <a:stretch>
             <a:fillRect/>
           </a:stretch>
@@ -14354,7 +15695,7 @@
 <file path=ppt/theme/theme1.xml><?xml version="1.0" encoding="utf-8"?>
 <a:theme xmlns:a="http://schemas.openxmlformats.org/drawingml/2006/main" name="SQLSatOslo 2016">
   <a:themeElements>
-    <a:clrScheme name="PASS SQLSaturday">
+    <a:clrScheme name="Custom 1">
       <a:dk1>
         <a:srgbClr val="101820"/>
       </a:dk1>
@@ -14386,10 +15727,10 @@
         <a:srgbClr val="AF272F"/>
       </a:accent6>
       <a:hlink>
-        <a:srgbClr val="00BF6F"/>
+        <a:srgbClr val="005F37"/>
       </a:hlink>
       <a:folHlink>
-        <a:srgbClr val="2DCCD3"/>
+        <a:srgbClr val="008F53"/>
       </a:folHlink>
     </a:clrScheme>
     <a:fontScheme name="PASS SQLSaturday">
